--- a/src/SlideDotNet.Tests/Resource/006_1 slides.pptx
+++ b/src/SlideDotNet.Tests/Resource/006_1 slides.pptx
@@ -104,6 +104,11 @@
       </a:defRPr>
     </a:lvl9pPr>
   </p:defaultTextStyle>
+  <p:extLst>
+    <p:ext uri="{EFAFB233-063F-42B5-8137-9DF3F51BA10A}">
+      <p15:sldGuideLst xmlns:p15="http://schemas.microsoft.com/office/powerpoint/2012/main"/>
+    </p:ext>
+  </p:extLst>
 </p:presentation>
 </file>
 
@@ -256,7 +261,7 @@
           <a:p>
             <a:fld id="{2638AAA8-BCC5-4F10-BE49-E27B80A547D2}" type="datetimeFigureOut">
               <a:rPr lang="en-US" smtClean="0"/>
-              <a:t>7/20/2019</a:t>
+              <a:t>3/18/2020</a:t>
             </a:fld>
             <a:endParaRPr lang="en-US"/>
           </a:p>
@@ -456,7 +461,7 @@
           <a:p>
             <a:fld id="{2638AAA8-BCC5-4F10-BE49-E27B80A547D2}" type="datetimeFigureOut">
               <a:rPr lang="en-US" smtClean="0"/>
-              <a:t>7/20/2019</a:t>
+              <a:t>3/18/2020</a:t>
             </a:fld>
             <a:endParaRPr lang="en-US"/>
           </a:p>
@@ -666,7 +671,7 @@
           <a:p>
             <a:fld id="{2638AAA8-BCC5-4F10-BE49-E27B80A547D2}" type="datetimeFigureOut">
               <a:rPr lang="en-US" smtClean="0"/>
-              <a:t>7/20/2019</a:t>
+              <a:t>3/18/2020</a:t>
             </a:fld>
             <a:endParaRPr lang="en-US"/>
           </a:p>
@@ -866,7 +871,7 @@
           <a:p>
             <a:fld id="{2638AAA8-BCC5-4F10-BE49-E27B80A547D2}" type="datetimeFigureOut">
               <a:rPr lang="en-US" smtClean="0"/>
-              <a:t>7/20/2019</a:t>
+              <a:t>3/18/2020</a:t>
             </a:fld>
             <a:endParaRPr lang="en-US"/>
           </a:p>
@@ -1142,7 +1147,7 @@
           <a:p>
             <a:fld id="{2638AAA8-BCC5-4F10-BE49-E27B80A547D2}" type="datetimeFigureOut">
               <a:rPr lang="en-US" smtClean="0"/>
-              <a:t>7/20/2019</a:t>
+              <a:t>3/18/2020</a:t>
             </a:fld>
             <a:endParaRPr lang="en-US"/>
           </a:p>
@@ -1410,7 +1415,7 @@
           <a:p>
             <a:fld id="{2638AAA8-BCC5-4F10-BE49-E27B80A547D2}" type="datetimeFigureOut">
               <a:rPr lang="en-US" smtClean="0"/>
-              <a:t>7/20/2019</a:t>
+              <a:t>3/18/2020</a:t>
             </a:fld>
             <a:endParaRPr lang="en-US"/>
           </a:p>
@@ -1825,7 +1830,7 @@
           <a:p>
             <a:fld id="{2638AAA8-BCC5-4F10-BE49-E27B80A547D2}" type="datetimeFigureOut">
               <a:rPr lang="en-US" smtClean="0"/>
-              <a:t>7/20/2019</a:t>
+              <a:t>3/18/2020</a:t>
             </a:fld>
             <a:endParaRPr lang="en-US"/>
           </a:p>
@@ -1967,7 +1972,7 @@
           <a:p>
             <a:fld id="{2638AAA8-BCC5-4F10-BE49-E27B80A547D2}" type="datetimeFigureOut">
               <a:rPr lang="en-US" smtClean="0"/>
-              <a:t>7/20/2019</a:t>
+              <a:t>3/18/2020</a:t>
             </a:fld>
             <a:endParaRPr lang="en-US"/>
           </a:p>
@@ -2080,7 +2085,7 @@
           <a:p>
             <a:fld id="{2638AAA8-BCC5-4F10-BE49-E27B80A547D2}" type="datetimeFigureOut">
               <a:rPr lang="en-US" smtClean="0"/>
-              <a:t>7/20/2019</a:t>
+              <a:t>3/18/2020</a:t>
             </a:fld>
             <a:endParaRPr lang="en-US"/>
           </a:p>
@@ -2393,7 +2398,7 @@
           <a:p>
             <a:fld id="{2638AAA8-BCC5-4F10-BE49-E27B80A547D2}" type="datetimeFigureOut">
               <a:rPr lang="en-US" smtClean="0"/>
-              <a:t>7/20/2019</a:t>
+              <a:t>3/18/2020</a:t>
             </a:fld>
             <a:endParaRPr lang="en-US"/>
           </a:p>
@@ -2682,7 +2687,7 @@
           <a:p>
             <a:fld id="{2638AAA8-BCC5-4F10-BE49-E27B80A547D2}" type="datetimeFigureOut">
               <a:rPr lang="en-US" smtClean="0"/>
-              <a:t>7/20/2019</a:t>
+              <a:t>3/18/2020</a:t>
             </a:fld>
             <a:endParaRPr lang="en-US"/>
           </a:p>
@@ -2925,7 +2930,7 @@
           <a:p>
             <a:fld id="{2638AAA8-BCC5-4F10-BE49-E27B80A547D2}" type="datetimeFigureOut">
               <a:rPr lang="en-US" smtClean="0"/>
-              <a:t>7/20/2019</a:t>
+              <a:t>3/18/2020</a:t>
             </a:fld>
             <a:endParaRPr lang="en-US"/>
           </a:p>
@@ -3358,7 +3363,12 @@
             <p:ph type="ctrTitle"/>
           </p:nvPr>
         </p:nvSpPr>
-        <p:spPr/>
+        <p:spPr>
+          <a:xfrm>
+            <a:off x="1524000" y="1122363"/>
+            <a:ext cx="9144000" cy="1425528"/>
+          </a:xfrm>
+        </p:spPr>
         <p:txBody>
           <a:bodyPr/>
           <a:lstStyle/>
@@ -3367,6 +3377,56 @@
               <a:rPr lang="en-US" dirty="0"/>
               <a:t>My title</a:t>
             </a:r>
+          </a:p>
+        </p:txBody>
+      </p:sp>
+      <p:sp>
+        <p:nvSpPr>
+          <p:cNvPr id="3" name="Прямоугольник 2">
+            <a:extLst>
+              <a:ext uri="{FF2B5EF4-FFF2-40B4-BE49-F238E27FC236}">
+                <a16:creationId xmlns:a16="http://schemas.microsoft.com/office/drawing/2014/main" id="{5121EBEC-CCE6-40B6-B083-9FC62DDC0150}"/>
+              </a:ext>
+            </a:extLst>
+          </p:cNvPr>
+          <p:cNvSpPr/>
+          <p:nvPr/>
+        </p:nvSpPr>
+        <p:spPr>
+          <a:xfrm>
+            <a:off x="3187083" y="3533313"/>
+            <a:ext cx="5264458" cy="1171852"/>
+          </a:xfrm>
+          <a:prstGeom prst="rect">
+            <a:avLst/>
+          </a:prstGeom>
+        </p:spPr>
+        <p:style>
+          <a:lnRef idx="2">
+            <a:schemeClr val="accent1">
+              <a:shade val="50000"/>
+            </a:schemeClr>
+          </a:lnRef>
+          <a:fillRef idx="1">
+            <a:schemeClr val="accent1"/>
+          </a:fillRef>
+          <a:effectRef idx="0">
+            <a:schemeClr val="accent1"/>
+          </a:effectRef>
+          <a:fontRef idx="minor">
+            <a:schemeClr val="lt1"/>
+          </a:fontRef>
+        </p:style>
+        <p:txBody>
+          <a:bodyPr rtlCol="0" anchor="ctr"/>
+          <a:lstStyle/>
+          <a:p>
+            <a:pPr algn="ctr"/>
+            <a:r>
+              <a:rPr lang="en-US" dirty="0"/>
+              <a:t>Test</a:t>
+            </a:r>
+            <a:endParaRPr lang="ru-UA" dirty="0"/>
           </a:p>
         </p:txBody>
       </p:sp>
